--- a/Lessons/Lesson C-1 - Introduction & PTES.pptx
+++ b/Lessons/Lesson C-1 - Introduction & PTES.pptx
@@ -117,19 +117,71 @@
       </a:defRPr>
     </a:lvl9pPr>
   </p:defaultTextStyle>
+  <p:extLst>
+    <p:ext uri="{EFAFB233-063F-42B5-8137-9DF3F51BA10A}">
+      <p15:sldGuideLst xmlns:p15="http://schemas.microsoft.com/office/powerpoint/2012/main"/>
+    </p:ext>
+  </p:extLst>
 </p:presentation>
-</file>
-
-<file path=ppt/revisionInfo.xml><?xml version="1.0" encoding="utf-8"?>
-<p1510:revInfo xmlns:a="http://schemas.openxmlformats.org/drawingml/2006/main" xmlns:r="http://schemas.openxmlformats.org/officeDocument/2006/relationships" xmlns:p1510="http://schemas.microsoft.com/office/powerpoint/2015/10/main">
-  <p1510:revLst>
-    <p1510:client id="{6AA77966-D193-46CA-A6FF-E31CBAA2E8AA}" v="574" dt="2025-08-14T16:26:58.175"/>
-  </p1510:revLst>
-</p1510:revInfo>
 </file>
 
 <file path=ppt/changesInfos/changesInfo1.xml><?xml version="1.0" encoding="utf-8"?>
 <pc:chgInfo xmlns:a="http://schemas.openxmlformats.org/drawingml/2006/main" xmlns:r="http://schemas.openxmlformats.org/officeDocument/2006/relationships" xmlns:ac="http://schemas.microsoft.com/office/drawing/2013/main/command" xmlns:pc="http://schemas.microsoft.com/office/powerpoint/2013/main/command">
+  <pc:docChgLst>
+    <pc:chgData name="Michael Hill" userId="41dba03d-e58d-4389-9894-554c10310ba4" providerId="ADAL" clId="{EF23FE1D-A042-481E-AFD7-2A9FB0847F54}"/>
+    <pc:docChg chg="undo custSel modSld">
+      <pc:chgData name="Michael Hill" userId="41dba03d-e58d-4389-9894-554c10310ba4" providerId="ADAL" clId="{EF23FE1D-A042-481E-AFD7-2A9FB0847F54}" dt="2025-10-27T18:37:17.721" v="188" actId="20577"/>
+      <pc:docMkLst>
+        <pc:docMk/>
+      </pc:docMkLst>
+      <pc:sldChg chg="modSp mod">
+        <pc:chgData name="Michael Hill" userId="41dba03d-e58d-4389-9894-554c10310ba4" providerId="ADAL" clId="{EF23FE1D-A042-481E-AFD7-2A9FB0847F54}" dt="2025-10-27T18:37:17.721" v="188" actId="20577"/>
+        <pc:sldMkLst>
+          <pc:docMk/>
+          <pc:sldMk cId="1878848435" sldId="256"/>
+        </pc:sldMkLst>
+        <pc:spChg chg="mod">
+          <ac:chgData name="Michael Hill" userId="41dba03d-e58d-4389-9894-554c10310ba4" providerId="ADAL" clId="{EF23FE1D-A042-481E-AFD7-2A9FB0847F54}" dt="2025-10-27T18:37:17.721" v="188" actId="20577"/>
+          <ac:spMkLst>
+            <pc:docMk/>
+            <pc:sldMk cId="1878848435" sldId="256"/>
+            <ac:spMk id="5" creationId="{18C18ECD-1A29-4735-FBF9-2230E3FED94F}"/>
+          </ac:spMkLst>
+        </pc:spChg>
+        <pc:spChg chg="mod">
+          <ac:chgData name="Michael Hill" userId="41dba03d-e58d-4389-9894-554c10310ba4" providerId="ADAL" clId="{EF23FE1D-A042-481E-AFD7-2A9FB0847F54}" dt="2025-10-27T18:37:13.489" v="186" actId="20577"/>
+          <ac:spMkLst>
+            <pc:docMk/>
+            <pc:sldMk cId="1878848435" sldId="256"/>
+            <ac:spMk id="6" creationId="{945BB639-AC69-FE40-4352-5D3077A94591}"/>
+          </ac:spMkLst>
+        </pc:spChg>
+      </pc:sldChg>
+      <pc:sldChg chg="modSp mod">
+        <pc:chgData name="Michael Hill" userId="41dba03d-e58d-4389-9894-554c10310ba4" providerId="ADAL" clId="{EF23FE1D-A042-481E-AFD7-2A9FB0847F54}" dt="2025-10-27T18:37:12.142" v="179" actId="20577"/>
+        <pc:sldMkLst>
+          <pc:docMk/>
+          <pc:sldMk cId="854122100" sldId="257"/>
+        </pc:sldMkLst>
+        <pc:spChg chg="mod">
+          <ac:chgData name="Michael Hill" userId="41dba03d-e58d-4389-9894-554c10310ba4" providerId="ADAL" clId="{EF23FE1D-A042-481E-AFD7-2A9FB0847F54}" dt="2025-10-27T18:37:12.142" v="179" actId="20577"/>
+          <ac:spMkLst>
+            <pc:docMk/>
+            <pc:sldMk cId="854122100" sldId="257"/>
+            <ac:spMk id="8" creationId="{4D7671A2-401B-58C3-4049-2F9F2E07BD91}"/>
+          </ac:spMkLst>
+        </pc:spChg>
+        <pc:spChg chg="mod">
+          <ac:chgData name="Michael Hill" userId="41dba03d-e58d-4389-9894-554c10310ba4" providerId="ADAL" clId="{EF23FE1D-A042-481E-AFD7-2A9FB0847F54}" dt="2025-10-27T18:37:09.877" v="167" actId="20577"/>
+          <ac:spMkLst>
+            <pc:docMk/>
+            <pc:sldMk cId="854122100" sldId="257"/>
+            <ac:spMk id="11" creationId="{B2D4645F-350F-77B1-036C-D01223EB808D}"/>
+          </ac:spMkLst>
+        </pc:spChg>
+      </pc:sldChg>
+    </pc:docChg>
+  </pc:docChgLst>
   <pc:docChgLst>
     <pc:chgData name="Michael Hill" userId="41dba03d-e58d-4389-9894-554c10310ba4" providerId="ADAL" clId="{6AA77966-D193-46CA-A6FF-E31CBAA2E8AA}"/>
     <pc:docChg chg="undo custSel addSld delSld modSld sldOrd">
@@ -143,38 +195,6 @@
           <pc:docMk/>
           <pc:sldMk cId="1878848435" sldId="256"/>
         </pc:sldMkLst>
-        <pc:spChg chg="mod">
-          <ac:chgData name="Michael Hill" userId="41dba03d-e58d-4389-9894-554c10310ba4" providerId="ADAL" clId="{6AA77966-D193-46CA-A6FF-E31CBAA2E8AA}" dt="2025-08-14T14:44:44.843" v="45" actId="207"/>
-          <ac:spMkLst>
-            <pc:docMk/>
-            <pc:sldMk cId="1878848435" sldId="256"/>
-            <ac:spMk id="4" creationId="{E2B883CE-936E-CB73-2B3E-56A618536A26}"/>
-          </ac:spMkLst>
-        </pc:spChg>
-        <pc:spChg chg="mod">
-          <ac:chgData name="Michael Hill" userId="41dba03d-e58d-4389-9894-554c10310ba4" providerId="ADAL" clId="{6AA77966-D193-46CA-A6FF-E31CBAA2E8AA}" dt="2025-08-14T14:44:47.229" v="46" actId="207"/>
-          <ac:spMkLst>
-            <pc:docMk/>
-            <pc:sldMk cId="1878848435" sldId="256"/>
-            <ac:spMk id="5" creationId="{18C18ECD-1A29-4735-FBF9-2230E3FED94F}"/>
-          </ac:spMkLst>
-        </pc:spChg>
-        <pc:spChg chg="mod">
-          <ac:chgData name="Michael Hill" userId="41dba03d-e58d-4389-9894-554c10310ba4" providerId="ADAL" clId="{6AA77966-D193-46CA-A6FF-E31CBAA2E8AA}" dt="2025-08-14T14:44:49.854" v="47" actId="207"/>
-          <ac:spMkLst>
-            <pc:docMk/>
-            <pc:sldMk cId="1878848435" sldId="256"/>
-            <ac:spMk id="6" creationId="{945BB639-AC69-FE40-4352-5D3077A94591}"/>
-          </ac:spMkLst>
-        </pc:spChg>
-        <pc:spChg chg="mod">
-          <ac:chgData name="Michael Hill" userId="41dba03d-e58d-4389-9894-554c10310ba4" providerId="ADAL" clId="{6AA77966-D193-46CA-A6FF-E31CBAA2E8AA}" dt="2025-08-14T14:45:01.166" v="49" actId="692"/>
-          <ac:spMkLst>
-            <pc:docMk/>
-            <pc:sldMk cId="1878848435" sldId="256"/>
-            <ac:spMk id="7" creationId="{9BBF4B62-D7BF-1C6A-40E3-7B807FA87977}"/>
-          </ac:spMkLst>
-        </pc:spChg>
       </pc:sldChg>
       <pc:sldChg chg="modSp mod setBg modAnim">
         <pc:chgData name="Michael Hill" userId="41dba03d-e58d-4389-9894-554c10310ba4" providerId="ADAL" clId="{6AA77966-D193-46CA-A6FF-E31CBAA2E8AA}" dt="2025-08-14T14:48:56.516" v="92"/>
@@ -182,62 +202,6 @@
           <pc:docMk/>
           <pc:sldMk cId="854122100" sldId="257"/>
         </pc:sldMkLst>
-        <pc:spChg chg="mod">
-          <ac:chgData name="Michael Hill" userId="41dba03d-e58d-4389-9894-554c10310ba4" providerId="ADAL" clId="{6AA77966-D193-46CA-A6FF-E31CBAA2E8AA}" dt="2025-08-14T14:45:25.928" v="51" actId="207"/>
-          <ac:spMkLst>
-            <pc:docMk/>
-            <pc:sldMk cId="854122100" sldId="257"/>
-            <ac:spMk id="5" creationId="{AFCD8CB0-8A02-BF4E-6CF1-A22B96E02C67}"/>
-          </ac:spMkLst>
-        </pc:spChg>
-        <pc:spChg chg="mod">
-          <ac:chgData name="Michael Hill" userId="41dba03d-e58d-4389-9894-554c10310ba4" providerId="ADAL" clId="{6AA77966-D193-46CA-A6FF-E31CBAA2E8AA}" dt="2025-08-14T14:45:30.313" v="52" actId="692"/>
-          <ac:spMkLst>
-            <pc:docMk/>
-            <pc:sldMk cId="854122100" sldId="257"/>
-            <ac:spMk id="7" creationId="{E03133FC-E875-8442-9063-C305CC0BFB20}"/>
-          </ac:spMkLst>
-        </pc:spChg>
-        <pc:spChg chg="mod">
-          <ac:chgData name="Michael Hill" userId="41dba03d-e58d-4389-9894-554c10310ba4" providerId="ADAL" clId="{6AA77966-D193-46CA-A6FF-E31CBAA2E8AA}" dt="2025-08-14T14:45:25.928" v="51" actId="207"/>
-          <ac:spMkLst>
-            <pc:docMk/>
-            <pc:sldMk cId="854122100" sldId="257"/>
-            <ac:spMk id="8" creationId="{4D7671A2-401B-58C3-4049-2F9F2E07BD91}"/>
-          </ac:spMkLst>
-        </pc:spChg>
-        <pc:spChg chg="mod">
-          <ac:chgData name="Michael Hill" userId="41dba03d-e58d-4389-9894-554c10310ba4" providerId="ADAL" clId="{6AA77966-D193-46CA-A6FF-E31CBAA2E8AA}" dt="2025-08-14T14:45:30.313" v="52" actId="692"/>
-          <ac:spMkLst>
-            <pc:docMk/>
-            <pc:sldMk cId="854122100" sldId="257"/>
-            <ac:spMk id="9" creationId="{39CF6B3F-1F6D-7800-03EB-3D197914A30A}"/>
-          </ac:spMkLst>
-        </pc:spChg>
-        <pc:spChg chg="mod">
-          <ac:chgData name="Michael Hill" userId="41dba03d-e58d-4389-9894-554c10310ba4" providerId="ADAL" clId="{6AA77966-D193-46CA-A6FF-E31CBAA2E8AA}" dt="2025-08-14T14:47:41.521" v="80" actId="207"/>
-          <ac:spMkLst>
-            <pc:docMk/>
-            <pc:sldMk cId="854122100" sldId="257"/>
-            <ac:spMk id="10" creationId="{22468F18-96E8-0BDE-DEDF-19E7735BE1E6}"/>
-          </ac:spMkLst>
-        </pc:spChg>
-        <pc:spChg chg="mod">
-          <ac:chgData name="Michael Hill" userId="41dba03d-e58d-4389-9894-554c10310ba4" providerId="ADAL" clId="{6AA77966-D193-46CA-A6FF-E31CBAA2E8AA}" dt="2025-08-14T14:45:25.928" v="51" actId="207"/>
-          <ac:spMkLst>
-            <pc:docMk/>
-            <pc:sldMk cId="854122100" sldId="257"/>
-            <ac:spMk id="11" creationId="{B2D4645F-350F-77B1-036C-D01223EB808D}"/>
-          </ac:spMkLst>
-        </pc:spChg>
-        <pc:spChg chg="mod">
-          <ac:chgData name="Michael Hill" userId="41dba03d-e58d-4389-9894-554c10310ba4" providerId="ADAL" clId="{6AA77966-D193-46CA-A6FF-E31CBAA2E8AA}" dt="2025-08-14T14:45:30.313" v="52" actId="692"/>
-          <ac:spMkLst>
-            <pc:docMk/>
-            <pc:sldMk cId="854122100" sldId="257"/>
-            <ac:spMk id="12" creationId="{86893419-8B7B-38C3-2D89-D4BB95E0AB27}"/>
-          </ac:spMkLst>
-        </pc:spChg>
       </pc:sldChg>
       <pc:sldChg chg="modSp mod setBg modAnim modShow">
         <pc:chgData name="Michael Hill" userId="41dba03d-e58d-4389-9894-554c10310ba4" providerId="ADAL" clId="{6AA77966-D193-46CA-A6FF-E31CBAA2E8AA}" dt="2025-08-14T14:49:07.120" v="96"/>
@@ -245,86 +209,6 @@
           <pc:docMk/>
           <pc:sldMk cId="1910594286" sldId="258"/>
         </pc:sldMkLst>
-        <pc:spChg chg="mod">
-          <ac:chgData name="Michael Hill" userId="41dba03d-e58d-4389-9894-554c10310ba4" providerId="ADAL" clId="{6AA77966-D193-46CA-A6FF-E31CBAA2E8AA}" dt="2025-08-14T14:45:52.691" v="57" actId="207"/>
-          <ac:spMkLst>
-            <pc:docMk/>
-            <pc:sldMk cId="1910594286" sldId="258"/>
-            <ac:spMk id="5" creationId="{3050233D-41DE-6588-7EB0-97A3A19FFCB8}"/>
-          </ac:spMkLst>
-        </pc:spChg>
-        <pc:spChg chg="mod">
-          <ac:chgData name="Michael Hill" userId="41dba03d-e58d-4389-9894-554c10310ba4" providerId="ADAL" clId="{6AA77966-D193-46CA-A6FF-E31CBAA2E8AA}" dt="2025-08-14T14:45:58.522" v="58" actId="692"/>
-          <ac:spMkLst>
-            <pc:docMk/>
-            <pc:sldMk cId="1910594286" sldId="258"/>
-            <ac:spMk id="7" creationId="{A3C7B8BA-8B31-7B2C-E2AB-60712C1F61E8}"/>
-          </ac:spMkLst>
-        </pc:spChg>
-        <pc:spChg chg="mod">
-          <ac:chgData name="Michael Hill" userId="41dba03d-e58d-4389-9894-554c10310ba4" providerId="ADAL" clId="{6AA77966-D193-46CA-A6FF-E31CBAA2E8AA}" dt="2025-08-14T14:46:22.315" v="69" actId="20577"/>
-          <ac:spMkLst>
-            <pc:docMk/>
-            <pc:sldMk cId="1910594286" sldId="258"/>
-            <ac:spMk id="8" creationId="{9D3B4A7A-A70B-0C4A-C7FF-462ADF36D440}"/>
-          </ac:spMkLst>
-        </pc:spChg>
-        <pc:spChg chg="mod">
-          <ac:chgData name="Michael Hill" userId="41dba03d-e58d-4389-9894-554c10310ba4" providerId="ADAL" clId="{6AA77966-D193-46CA-A6FF-E31CBAA2E8AA}" dt="2025-08-14T14:45:58.522" v="58" actId="692"/>
-          <ac:spMkLst>
-            <pc:docMk/>
-            <pc:sldMk cId="1910594286" sldId="258"/>
-            <ac:spMk id="9" creationId="{6ADCA5AE-052C-5076-411F-06E5A022CDA7}"/>
-          </ac:spMkLst>
-        </pc:spChg>
-        <pc:spChg chg="mod">
-          <ac:chgData name="Michael Hill" userId="41dba03d-e58d-4389-9894-554c10310ba4" providerId="ADAL" clId="{6AA77966-D193-46CA-A6FF-E31CBAA2E8AA}" dt="2025-08-14T14:45:58.522" v="58" actId="692"/>
-          <ac:spMkLst>
-            <pc:docMk/>
-            <pc:sldMk cId="1910594286" sldId="258"/>
-            <ac:spMk id="21" creationId="{CA8483F3-9D91-69C6-DAE4-E819F0292C96}"/>
-          </ac:spMkLst>
-        </pc:spChg>
-        <pc:picChg chg="mod">
-          <ac:chgData name="Michael Hill" userId="41dba03d-e58d-4389-9894-554c10310ba4" providerId="ADAL" clId="{6AA77966-D193-46CA-A6FF-E31CBAA2E8AA}" dt="2025-08-14T14:46:05.612" v="59"/>
-          <ac:picMkLst>
-            <pc:docMk/>
-            <pc:sldMk cId="1910594286" sldId="258"/>
-            <ac:picMk id="15" creationId="{0572BAA1-AB30-2A31-99DA-E2636EF78735}"/>
-          </ac:picMkLst>
-        </pc:picChg>
-        <pc:picChg chg="mod">
-          <ac:chgData name="Michael Hill" userId="41dba03d-e58d-4389-9894-554c10310ba4" providerId="ADAL" clId="{6AA77966-D193-46CA-A6FF-E31CBAA2E8AA}" dt="2025-08-14T14:46:05.612" v="59"/>
-          <ac:picMkLst>
-            <pc:docMk/>
-            <pc:sldMk cId="1910594286" sldId="258"/>
-            <ac:picMk id="17" creationId="{F9670370-72F4-78E6-7DE3-64A5614A0062}"/>
-          </ac:picMkLst>
-        </pc:picChg>
-        <pc:picChg chg="mod">
-          <ac:chgData name="Michael Hill" userId="41dba03d-e58d-4389-9894-554c10310ba4" providerId="ADAL" clId="{6AA77966-D193-46CA-A6FF-E31CBAA2E8AA}" dt="2025-08-14T14:46:05.612" v="59"/>
-          <ac:picMkLst>
-            <pc:docMk/>
-            <pc:sldMk cId="1910594286" sldId="258"/>
-            <ac:picMk id="18" creationId="{21F28121-5FF8-B768-E483-38897AA8B765}"/>
-          </ac:picMkLst>
-        </pc:picChg>
-        <pc:picChg chg="mod">
-          <ac:chgData name="Michael Hill" userId="41dba03d-e58d-4389-9894-554c10310ba4" providerId="ADAL" clId="{6AA77966-D193-46CA-A6FF-E31CBAA2E8AA}" dt="2025-08-14T14:46:05.612" v="59"/>
-          <ac:picMkLst>
-            <pc:docMk/>
-            <pc:sldMk cId="1910594286" sldId="258"/>
-            <ac:picMk id="19" creationId="{59044FD4-E5CB-7F72-D4E0-B3FF57F10D64}"/>
-          </ac:picMkLst>
-        </pc:picChg>
-        <pc:picChg chg="mod">
-          <ac:chgData name="Michael Hill" userId="41dba03d-e58d-4389-9894-554c10310ba4" providerId="ADAL" clId="{6AA77966-D193-46CA-A6FF-E31CBAA2E8AA}" dt="2025-08-14T14:46:05.612" v="59"/>
-          <ac:picMkLst>
-            <pc:docMk/>
-            <pc:sldMk cId="1910594286" sldId="258"/>
-            <ac:picMk id="20" creationId="{9103A45C-BE5A-478E-4718-72C97F147BDD}"/>
-          </ac:picMkLst>
-        </pc:picChg>
       </pc:sldChg>
       <pc:sldChg chg="modSp del mod setBg modAnim">
         <pc:chgData name="Michael Hill" userId="41dba03d-e58d-4389-9894-554c10310ba4" providerId="ADAL" clId="{6AA77966-D193-46CA-A6FF-E31CBAA2E8AA}" dt="2025-08-14T16:26:56.515" v="2995" actId="47"/>
@@ -332,54 +216,6 @@
           <pc:docMk/>
           <pc:sldMk cId="3307172092" sldId="261"/>
         </pc:sldMkLst>
-        <pc:spChg chg="mod">
-          <ac:chgData name="Michael Hill" userId="41dba03d-e58d-4389-9894-554c10310ba4" providerId="ADAL" clId="{6AA77966-D193-46CA-A6FF-E31CBAA2E8AA}" dt="2025-08-14T14:46:53.667" v="76" actId="207"/>
-          <ac:spMkLst>
-            <pc:docMk/>
-            <pc:sldMk cId="3307172092" sldId="261"/>
-            <ac:spMk id="5" creationId="{403C02FC-7E07-3A7E-6B2B-FD078F0B388B}"/>
-          </ac:spMkLst>
-        </pc:spChg>
-        <pc:spChg chg="mod">
-          <ac:chgData name="Michael Hill" userId="41dba03d-e58d-4389-9894-554c10310ba4" providerId="ADAL" clId="{6AA77966-D193-46CA-A6FF-E31CBAA2E8AA}" dt="2025-08-14T14:47:04.001" v="79" actId="692"/>
-          <ac:spMkLst>
-            <pc:docMk/>
-            <pc:sldMk cId="3307172092" sldId="261"/>
-            <ac:spMk id="7" creationId="{8A70EB3C-7074-C649-E10E-F6D225ED0987}"/>
-          </ac:spMkLst>
-        </pc:spChg>
-        <pc:spChg chg="mod">
-          <ac:chgData name="Michael Hill" userId="41dba03d-e58d-4389-9894-554c10310ba4" providerId="ADAL" clId="{6AA77966-D193-46CA-A6FF-E31CBAA2E8AA}" dt="2025-08-14T14:47:59.281" v="84" actId="207"/>
-          <ac:spMkLst>
-            <pc:docMk/>
-            <pc:sldMk cId="3307172092" sldId="261"/>
-            <ac:spMk id="8" creationId="{376C31C9-62DC-3675-D099-2F45431523AD}"/>
-          </ac:spMkLst>
-        </pc:spChg>
-        <pc:spChg chg="mod">
-          <ac:chgData name="Michael Hill" userId="41dba03d-e58d-4389-9894-554c10310ba4" providerId="ADAL" clId="{6AA77966-D193-46CA-A6FF-E31CBAA2E8AA}" dt="2025-08-14T14:47:04.001" v="79" actId="692"/>
-          <ac:spMkLst>
-            <pc:docMk/>
-            <pc:sldMk cId="3307172092" sldId="261"/>
-            <ac:spMk id="9" creationId="{20C1AA49-2B88-3995-C07D-E9ED1874AD8F}"/>
-          </ac:spMkLst>
-        </pc:spChg>
-        <pc:spChg chg="mod">
-          <ac:chgData name="Michael Hill" userId="41dba03d-e58d-4389-9894-554c10310ba4" providerId="ADAL" clId="{6AA77966-D193-46CA-A6FF-E31CBAA2E8AA}" dt="2025-08-14T14:46:59.096" v="78" actId="692"/>
-          <ac:spMkLst>
-            <pc:docMk/>
-            <pc:sldMk cId="3307172092" sldId="261"/>
-            <ac:spMk id="11" creationId="{7B456498-B9E2-4B79-A91D-F6C15F0622FF}"/>
-          </ac:spMkLst>
-        </pc:spChg>
-        <pc:spChg chg="mod">
-          <ac:chgData name="Michael Hill" userId="41dba03d-e58d-4389-9894-554c10310ba4" providerId="ADAL" clId="{6AA77966-D193-46CA-A6FF-E31CBAA2E8AA}" dt="2025-08-14T14:47:04.001" v="79" actId="692"/>
-          <ac:spMkLst>
-            <pc:docMk/>
-            <pc:sldMk cId="3307172092" sldId="261"/>
-            <ac:spMk id="12" creationId="{FEC97D9B-BE6D-4324-3769-54ADF5CA3B3F}"/>
-          </ac:spMkLst>
-        </pc:spChg>
       </pc:sldChg>
       <pc:sldChg chg="modSp mod setBg modAnim modShow">
         <pc:chgData name="Michael Hill" userId="41dba03d-e58d-4389-9894-554c10310ba4" providerId="ADAL" clId="{6AA77966-D193-46CA-A6FF-E31CBAA2E8AA}" dt="2025-08-14T16:27:01.790" v="2997" actId="729"/>
@@ -387,38 +223,6 @@
           <pc:docMk/>
           <pc:sldMk cId="510623671" sldId="276"/>
         </pc:sldMkLst>
-        <pc:spChg chg="mod">
-          <ac:chgData name="Michael Hill" userId="41dba03d-e58d-4389-9894-554c10310ba4" providerId="ADAL" clId="{6AA77966-D193-46CA-A6FF-E31CBAA2E8AA}" dt="2025-08-14T14:48:14.132" v="86" actId="207"/>
-          <ac:spMkLst>
-            <pc:docMk/>
-            <pc:sldMk cId="510623671" sldId="276"/>
-            <ac:spMk id="5" creationId="{7A51E191-FB80-DD01-12DA-A63D6699BDF7}"/>
-          </ac:spMkLst>
-        </pc:spChg>
-        <pc:spChg chg="mod">
-          <ac:chgData name="Michael Hill" userId="41dba03d-e58d-4389-9894-554c10310ba4" providerId="ADAL" clId="{6AA77966-D193-46CA-A6FF-E31CBAA2E8AA}" dt="2025-08-14T14:48:28.277" v="90" actId="1076"/>
-          <ac:spMkLst>
-            <pc:docMk/>
-            <pc:sldMk cId="510623671" sldId="276"/>
-            <ac:spMk id="7" creationId="{73B445EE-DFCD-15A2-8253-548969370912}"/>
-          </ac:spMkLst>
-        </pc:spChg>
-        <pc:spChg chg="mod">
-          <ac:chgData name="Michael Hill" userId="41dba03d-e58d-4389-9894-554c10310ba4" providerId="ADAL" clId="{6AA77966-D193-46CA-A6FF-E31CBAA2E8AA}" dt="2025-08-14T16:26:58.174" v="2996" actId="20577"/>
-          <ac:spMkLst>
-            <pc:docMk/>
-            <pc:sldMk cId="510623671" sldId="276"/>
-            <ac:spMk id="8" creationId="{0D1FA388-F44C-0D62-E127-5DAA237B2FBA}"/>
-          </ac:spMkLst>
-        </pc:spChg>
-        <pc:spChg chg="mod">
-          <ac:chgData name="Michael Hill" userId="41dba03d-e58d-4389-9894-554c10310ba4" providerId="ADAL" clId="{6AA77966-D193-46CA-A6FF-E31CBAA2E8AA}" dt="2025-08-14T14:48:25.810" v="89" actId="692"/>
-          <ac:spMkLst>
-            <pc:docMk/>
-            <pc:sldMk cId="510623671" sldId="276"/>
-            <ac:spMk id="9" creationId="{F493F1B6-8034-6006-77FD-6E60A6700CC2}"/>
-          </ac:spMkLst>
-        </pc:spChg>
       </pc:sldChg>
       <pc:sldChg chg="del">
         <pc:chgData name="Michael Hill" userId="41dba03d-e58d-4389-9894-554c10310ba4" providerId="ADAL" clId="{6AA77966-D193-46CA-A6FF-E31CBAA2E8AA}" dt="2025-08-14T14:48:07.316" v="85" actId="47"/>
@@ -454,38 +258,6 @@
           <pc:docMk/>
           <pc:sldMk cId="1115561923" sldId="296"/>
         </pc:sldMkLst>
-        <pc:spChg chg="mod">
-          <ac:chgData name="Michael Hill" userId="41dba03d-e58d-4389-9894-554c10310ba4" providerId="ADAL" clId="{6AA77966-D193-46CA-A6FF-E31CBAA2E8AA}" dt="2025-08-14T14:51:02.443" v="112" actId="14100"/>
-          <ac:spMkLst>
-            <pc:docMk/>
-            <pc:sldMk cId="1115561923" sldId="296"/>
-            <ac:spMk id="5" creationId="{E7C36B6E-C7A9-A4FD-E620-C5311C6F21D8}"/>
-          </ac:spMkLst>
-        </pc:spChg>
-        <pc:spChg chg="mod">
-          <ac:chgData name="Michael Hill" userId="41dba03d-e58d-4389-9894-554c10310ba4" providerId="ADAL" clId="{6AA77966-D193-46CA-A6FF-E31CBAA2E8AA}" dt="2025-08-14T14:46:44.275" v="74" actId="1076"/>
-          <ac:spMkLst>
-            <pc:docMk/>
-            <pc:sldMk cId="1115561923" sldId="296"/>
-            <ac:spMk id="7" creationId="{F24A61FE-A1E9-AEF2-D7AC-28367819945B}"/>
-          </ac:spMkLst>
-        </pc:spChg>
-        <pc:spChg chg="mod">
-          <ac:chgData name="Michael Hill" userId="41dba03d-e58d-4389-9894-554c10310ba4" providerId="ADAL" clId="{6AA77966-D193-46CA-A6FF-E31CBAA2E8AA}" dt="2025-08-14T14:54:33.841" v="614" actId="20577"/>
-          <ac:spMkLst>
-            <pc:docMk/>
-            <pc:sldMk cId="1115561923" sldId="296"/>
-            <ac:spMk id="8" creationId="{F5B9035B-30AE-5146-EAAA-4FE8A28402EB}"/>
-          </ac:spMkLst>
-        </pc:spChg>
-        <pc:spChg chg="mod">
-          <ac:chgData name="Michael Hill" userId="41dba03d-e58d-4389-9894-554c10310ba4" providerId="ADAL" clId="{6AA77966-D193-46CA-A6FF-E31CBAA2E8AA}" dt="2025-08-14T14:46:41.203" v="73" actId="692"/>
-          <ac:spMkLst>
-            <pc:docMk/>
-            <pc:sldMk cId="1115561923" sldId="296"/>
-            <ac:spMk id="9" creationId="{751C739A-521C-76C8-DA94-DCB8AC8A3343}"/>
-          </ac:spMkLst>
-        </pc:spChg>
       </pc:sldChg>
       <pc:sldChg chg="del">
         <pc:chgData name="Michael Hill" userId="41dba03d-e58d-4389-9894-554c10310ba4" providerId="ADAL" clId="{6AA77966-D193-46CA-A6FF-E31CBAA2E8AA}" dt="2025-08-14T14:46:49.010" v="75" actId="47"/>
@@ -577,22 +349,6 @@
           <pc:docMk/>
           <pc:sldMk cId="3412771528" sldId="309"/>
         </pc:sldMkLst>
-        <pc:spChg chg="mod">
-          <ac:chgData name="Michael Hill" userId="41dba03d-e58d-4389-9894-554c10310ba4" providerId="ADAL" clId="{6AA77966-D193-46CA-A6FF-E31CBAA2E8AA}" dt="2025-08-14T14:46:18.011" v="67" actId="20577"/>
-          <ac:spMkLst>
-            <pc:docMk/>
-            <pc:sldMk cId="3412771528" sldId="309"/>
-            <ac:spMk id="5" creationId="{A9449787-6ED2-84FB-10B2-2585FA42921F}"/>
-          </ac:spMkLst>
-        </pc:spChg>
-        <pc:spChg chg="mod">
-          <ac:chgData name="Michael Hill" userId="41dba03d-e58d-4389-9894-554c10310ba4" providerId="ADAL" clId="{6AA77966-D193-46CA-A6FF-E31CBAA2E8AA}" dt="2025-08-14T14:46:19.928" v="68" actId="20577"/>
-          <ac:spMkLst>
-            <pc:docMk/>
-            <pc:sldMk cId="3412771528" sldId="309"/>
-            <ac:spMk id="8" creationId="{2982D69B-5E0C-ABCE-7B25-92F0C2847CE9}"/>
-          </ac:spMkLst>
-        </pc:spChg>
       </pc:sldChg>
       <pc:sldChg chg="modSp add mod">
         <pc:chgData name="Michael Hill" userId="41dba03d-e58d-4389-9894-554c10310ba4" providerId="ADAL" clId="{6AA77966-D193-46CA-A6FF-E31CBAA2E8AA}" dt="2025-08-14T15:00:53.247" v="1163" actId="20577"/>
@@ -600,22 +356,6 @@
           <pc:docMk/>
           <pc:sldMk cId="1252509168" sldId="310"/>
         </pc:sldMkLst>
-        <pc:spChg chg="mod">
-          <ac:chgData name="Michael Hill" userId="41dba03d-e58d-4389-9894-554c10310ba4" providerId="ADAL" clId="{6AA77966-D193-46CA-A6FF-E31CBAA2E8AA}" dt="2025-08-14T14:54:45.357" v="623" actId="20577"/>
-          <ac:spMkLst>
-            <pc:docMk/>
-            <pc:sldMk cId="1252509168" sldId="310"/>
-            <ac:spMk id="5" creationId="{15907E37-151A-274F-CC12-A8B9249D90EE}"/>
-          </ac:spMkLst>
-        </pc:spChg>
-        <pc:spChg chg="mod">
-          <ac:chgData name="Michael Hill" userId="41dba03d-e58d-4389-9894-554c10310ba4" providerId="ADAL" clId="{6AA77966-D193-46CA-A6FF-E31CBAA2E8AA}" dt="2025-08-14T15:00:53.247" v="1163" actId="20577"/>
-          <ac:spMkLst>
-            <pc:docMk/>
-            <pc:sldMk cId="1252509168" sldId="310"/>
-            <ac:spMk id="8" creationId="{4BBEBABC-01DD-AB36-AC4D-FD2BA184071C}"/>
-          </ac:spMkLst>
-        </pc:spChg>
       </pc:sldChg>
       <pc:sldChg chg="modSp add mod">
         <pc:chgData name="Michael Hill" userId="41dba03d-e58d-4389-9894-554c10310ba4" providerId="ADAL" clId="{6AA77966-D193-46CA-A6FF-E31CBAA2E8AA}" dt="2025-08-14T16:00:36.481" v="1706" actId="20577"/>
@@ -623,22 +363,6 @@
           <pc:docMk/>
           <pc:sldMk cId="650094492" sldId="311"/>
         </pc:sldMkLst>
-        <pc:spChg chg="mod">
-          <ac:chgData name="Michael Hill" userId="41dba03d-e58d-4389-9894-554c10310ba4" providerId="ADAL" clId="{6AA77966-D193-46CA-A6FF-E31CBAA2E8AA}" dt="2025-08-14T15:56:54.148" v="1187" actId="14100"/>
-          <ac:spMkLst>
-            <pc:docMk/>
-            <pc:sldMk cId="650094492" sldId="311"/>
-            <ac:spMk id="5" creationId="{99D77B92-A52F-1FDD-B8F9-E6138C7B1792}"/>
-          </ac:spMkLst>
-        </pc:spChg>
-        <pc:spChg chg="mod">
-          <ac:chgData name="Michael Hill" userId="41dba03d-e58d-4389-9894-554c10310ba4" providerId="ADAL" clId="{6AA77966-D193-46CA-A6FF-E31CBAA2E8AA}" dt="2025-08-14T16:00:36.481" v="1706" actId="20577"/>
-          <ac:spMkLst>
-            <pc:docMk/>
-            <pc:sldMk cId="650094492" sldId="311"/>
-            <ac:spMk id="8" creationId="{C0D792E9-504B-3BC6-4319-BC896A24E427}"/>
-          </ac:spMkLst>
-        </pc:spChg>
       </pc:sldChg>
       <pc:sldChg chg="addSp modSp add mod">
         <pc:chgData name="Michael Hill" userId="41dba03d-e58d-4389-9894-554c10310ba4" providerId="ADAL" clId="{6AA77966-D193-46CA-A6FF-E31CBAA2E8AA}" dt="2025-08-14T16:09:04.039" v="2152" actId="20577"/>
@@ -646,30 +370,6 @@
           <pc:docMk/>
           <pc:sldMk cId="3843426871" sldId="312"/>
         </pc:sldMkLst>
-        <pc:spChg chg="add mod">
-          <ac:chgData name="Michael Hill" userId="41dba03d-e58d-4389-9894-554c10310ba4" providerId="ADAL" clId="{6AA77966-D193-46CA-A6FF-E31CBAA2E8AA}" dt="2025-08-14T16:07:08.600" v="2019" actId="1076"/>
-          <ac:spMkLst>
-            <pc:docMk/>
-            <pc:sldMk cId="3843426871" sldId="312"/>
-            <ac:spMk id="4" creationId="{01C4749D-8E43-35E5-ABAE-7F939ACD92BE}"/>
-          </ac:spMkLst>
-        </pc:spChg>
-        <pc:spChg chg="mod">
-          <ac:chgData name="Michael Hill" userId="41dba03d-e58d-4389-9894-554c10310ba4" providerId="ADAL" clId="{6AA77966-D193-46CA-A6FF-E31CBAA2E8AA}" dt="2025-08-14T16:09:04.039" v="2152" actId="20577"/>
-          <ac:spMkLst>
-            <pc:docMk/>
-            <pc:sldMk cId="3843426871" sldId="312"/>
-            <ac:spMk id="8" creationId="{3DDFC1EE-AD0B-0DF1-8454-512EE441FB95}"/>
-          </ac:spMkLst>
-        </pc:spChg>
-        <pc:picChg chg="add mod">
-          <ac:chgData name="Michael Hill" userId="41dba03d-e58d-4389-9894-554c10310ba4" providerId="ADAL" clId="{6AA77966-D193-46CA-A6FF-E31CBAA2E8AA}" dt="2025-08-14T16:05:18.689" v="1996" actId="1076"/>
-          <ac:picMkLst>
-            <pc:docMk/>
-            <pc:sldMk cId="3843426871" sldId="312"/>
-            <ac:picMk id="3" creationId="{3665B474-5A11-8546-79FD-D13249BEBE53}"/>
-          </ac:picMkLst>
-        </pc:picChg>
       </pc:sldChg>
       <pc:sldChg chg="delSp modSp add mod">
         <pc:chgData name="Michael Hill" userId="41dba03d-e58d-4389-9894-554c10310ba4" providerId="ADAL" clId="{6AA77966-D193-46CA-A6FF-E31CBAA2E8AA}" dt="2025-08-14T16:10:17.357" v="2337" actId="20577"/>
@@ -677,30 +377,6 @@
           <pc:docMk/>
           <pc:sldMk cId="3958565069" sldId="313"/>
         </pc:sldMkLst>
-        <pc:spChg chg="del">
-          <ac:chgData name="Michael Hill" userId="41dba03d-e58d-4389-9894-554c10310ba4" providerId="ADAL" clId="{6AA77966-D193-46CA-A6FF-E31CBAA2E8AA}" dt="2025-08-14T16:09:51.423" v="2177" actId="478"/>
-          <ac:spMkLst>
-            <pc:docMk/>
-            <pc:sldMk cId="3958565069" sldId="313"/>
-            <ac:spMk id="4" creationId="{469B67F6-E0BB-4013-5921-5E4C010721C4}"/>
-          </ac:spMkLst>
-        </pc:spChg>
-        <pc:spChg chg="mod">
-          <ac:chgData name="Michael Hill" userId="41dba03d-e58d-4389-9894-554c10310ba4" providerId="ADAL" clId="{6AA77966-D193-46CA-A6FF-E31CBAA2E8AA}" dt="2025-08-14T16:10:17.357" v="2337" actId="20577"/>
-          <ac:spMkLst>
-            <pc:docMk/>
-            <pc:sldMk cId="3958565069" sldId="313"/>
-            <ac:spMk id="8" creationId="{A11937AF-01E6-2994-97D6-AF20DECDD7A5}"/>
-          </ac:spMkLst>
-        </pc:spChg>
-        <pc:picChg chg="del">
-          <ac:chgData name="Michael Hill" userId="41dba03d-e58d-4389-9894-554c10310ba4" providerId="ADAL" clId="{6AA77966-D193-46CA-A6FF-E31CBAA2E8AA}" dt="2025-08-14T16:09:48.790" v="2176" actId="478"/>
-          <ac:picMkLst>
-            <pc:docMk/>
-            <pc:sldMk cId="3958565069" sldId="313"/>
-            <ac:picMk id="3" creationId="{E9864FD8-747A-8FB7-D979-66C89E6CC5B4}"/>
-          </ac:picMkLst>
-        </pc:picChg>
       </pc:sldChg>
       <pc:sldChg chg="modSp add mod">
         <pc:chgData name="Michael Hill" userId="41dba03d-e58d-4389-9894-554c10310ba4" providerId="ADAL" clId="{6AA77966-D193-46CA-A6FF-E31CBAA2E8AA}" dt="2025-08-14T16:26:50.448" v="2994" actId="20577"/>
@@ -708,22 +384,6 @@
           <pc:docMk/>
           <pc:sldMk cId="698826188" sldId="314"/>
         </pc:sldMkLst>
-        <pc:spChg chg="mod">
-          <ac:chgData name="Michael Hill" userId="41dba03d-e58d-4389-9894-554c10310ba4" providerId="ADAL" clId="{6AA77966-D193-46CA-A6FF-E31CBAA2E8AA}" dt="2025-08-14T16:19:55.649" v="2352" actId="14100"/>
-          <ac:spMkLst>
-            <pc:docMk/>
-            <pc:sldMk cId="698826188" sldId="314"/>
-            <ac:spMk id="5" creationId="{7C92755E-3F64-6BB0-3744-3F21825B9A6A}"/>
-          </ac:spMkLst>
-        </pc:spChg>
-        <pc:spChg chg="mod">
-          <ac:chgData name="Michael Hill" userId="41dba03d-e58d-4389-9894-554c10310ba4" providerId="ADAL" clId="{6AA77966-D193-46CA-A6FF-E31CBAA2E8AA}" dt="2025-08-14T16:26:50.448" v="2994" actId="20577"/>
-          <ac:spMkLst>
-            <pc:docMk/>
-            <pc:sldMk cId="698826188" sldId="314"/>
-            <ac:spMk id="8" creationId="{A8A69DB2-FE15-CB35-6F37-C43045889639}"/>
-          </ac:spMkLst>
-        </pc:spChg>
       </pc:sldChg>
       <pc:sldChg chg="modSp add mod">
         <pc:chgData name="Michael Hill" userId="41dba03d-e58d-4389-9894-554c10310ba4" providerId="ADAL" clId="{6AA77966-D193-46CA-A6FF-E31CBAA2E8AA}" dt="2025-08-15T13:59:47.567" v="3429" actId="20577"/>
@@ -731,22 +391,6 @@
           <pc:docMk/>
           <pc:sldMk cId="169916751" sldId="315"/>
         </pc:sldMkLst>
-        <pc:spChg chg="mod">
-          <ac:chgData name="Michael Hill" userId="41dba03d-e58d-4389-9894-554c10310ba4" providerId="ADAL" clId="{6AA77966-D193-46CA-A6FF-E31CBAA2E8AA}" dt="2025-08-14T16:28:13.677" v="3030" actId="1076"/>
-          <ac:spMkLst>
-            <pc:docMk/>
-            <pc:sldMk cId="169916751" sldId="315"/>
-            <ac:spMk id="5" creationId="{2FB21676-EE60-524B-8FF6-8ACD4D27A852}"/>
-          </ac:spMkLst>
-        </pc:spChg>
-        <pc:spChg chg="mod">
-          <ac:chgData name="Michael Hill" userId="41dba03d-e58d-4389-9894-554c10310ba4" providerId="ADAL" clId="{6AA77966-D193-46CA-A6FF-E31CBAA2E8AA}" dt="2025-08-15T13:59:47.567" v="3429" actId="20577"/>
-          <ac:spMkLst>
-            <pc:docMk/>
-            <pc:sldMk cId="169916751" sldId="315"/>
-            <ac:spMk id="8" creationId="{AC2F2DA2-8C39-17E1-112C-4532791AC344}"/>
-          </ac:spMkLst>
-        </pc:spChg>
       </pc:sldChg>
       <pc:sldChg chg="addSp modSp add mod">
         <pc:chgData name="Michael Hill" userId="41dba03d-e58d-4389-9894-554c10310ba4" providerId="ADAL" clId="{6AA77966-D193-46CA-A6FF-E31CBAA2E8AA}" dt="2025-08-15T14:13:40.095" v="3442" actId="1076"/>
@@ -754,38 +398,6 @@
           <pc:docMk/>
           <pc:sldMk cId="3125079267" sldId="316"/>
         </pc:sldMkLst>
-        <pc:spChg chg="mod">
-          <ac:chgData name="Michael Hill" userId="41dba03d-e58d-4389-9894-554c10310ba4" providerId="ADAL" clId="{6AA77966-D193-46CA-A6FF-E31CBAA2E8AA}" dt="2025-08-15T14:13:40.095" v="3442" actId="1076"/>
-          <ac:spMkLst>
-            <pc:docMk/>
-            <pc:sldMk cId="3125079267" sldId="316"/>
-            <ac:spMk id="7" creationId="{1E37B1BE-EEFC-84D0-2CE6-5E9251668DC2}"/>
-          </ac:spMkLst>
-        </pc:spChg>
-        <pc:spChg chg="mod">
-          <ac:chgData name="Michael Hill" userId="41dba03d-e58d-4389-9894-554c10310ba4" providerId="ADAL" clId="{6AA77966-D193-46CA-A6FF-E31CBAA2E8AA}" dt="2025-08-15T14:12:49.680" v="3438" actId="14100"/>
-          <ac:spMkLst>
-            <pc:docMk/>
-            <pc:sldMk cId="3125079267" sldId="316"/>
-            <ac:spMk id="8" creationId="{399D37E6-992D-0644-8813-30309248A67E}"/>
-          </ac:spMkLst>
-        </pc:spChg>
-        <pc:spChg chg="mod">
-          <ac:chgData name="Michael Hill" userId="41dba03d-e58d-4389-9894-554c10310ba4" providerId="ADAL" clId="{6AA77966-D193-46CA-A6FF-E31CBAA2E8AA}" dt="2025-08-15T14:13:37.767" v="3441" actId="1076"/>
-          <ac:spMkLst>
-            <pc:docMk/>
-            <pc:sldMk cId="3125079267" sldId="316"/>
-            <ac:spMk id="9" creationId="{7DC81126-B93C-C23F-429F-A213D1143F21}"/>
-          </ac:spMkLst>
-        </pc:spChg>
-        <pc:picChg chg="add mod">
-          <ac:chgData name="Michael Hill" userId="41dba03d-e58d-4389-9894-554c10310ba4" providerId="ADAL" clId="{6AA77966-D193-46CA-A6FF-E31CBAA2E8AA}" dt="2025-08-15T14:13:26.015" v="3439" actId="688"/>
-          <ac:picMkLst>
-            <pc:docMk/>
-            <pc:sldMk cId="3125079267" sldId="316"/>
-            <ac:picMk id="3" creationId="{17F5222E-7553-2AEF-792C-8F7FECB99B2B}"/>
-          </ac:picMkLst>
-        </pc:picChg>
       </pc:sldChg>
       <pc:sldChg chg="modSp add mod ord">
         <pc:chgData name="Michael Hill" userId="41dba03d-e58d-4389-9894-554c10310ba4" providerId="ADAL" clId="{6AA77966-D193-46CA-A6FF-E31CBAA2E8AA}" dt="2025-08-15T17:20:10.434" v="3800" actId="20577"/>
@@ -793,22 +405,6 @@
           <pc:docMk/>
           <pc:sldMk cId="1610247681" sldId="317"/>
         </pc:sldMkLst>
-        <pc:spChg chg="mod">
-          <ac:chgData name="Michael Hill" userId="41dba03d-e58d-4389-9894-554c10310ba4" providerId="ADAL" clId="{6AA77966-D193-46CA-A6FF-E31CBAA2E8AA}" dt="2025-08-15T17:15:21.006" v="3461" actId="1076"/>
-          <ac:spMkLst>
-            <pc:docMk/>
-            <pc:sldMk cId="1610247681" sldId="317"/>
-            <ac:spMk id="5" creationId="{D6DB5FCF-97BB-25AA-3D79-F53681E65187}"/>
-          </ac:spMkLst>
-        </pc:spChg>
-        <pc:spChg chg="mod">
-          <ac:chgData name="Michael Hill" userId="41dba03d-e58d-4389-9894-554c10310ba4" providerId="ADAL" clId="{6AA77966-D193-46CA-A6FF-E31CBAA2E8AA}" dt="2025-08-15T17:20:10.434" v="3800" actId="20577"/>
-          <ac:spMkLst>
-            <pc:docMk/>
-            <pc:sldMk cId="1610247681" sldId="317"/>
-            <ac:spMk id="8" creationId="{7B9BDA5D-5C06-05A5-F8CC-F09A098E80AE}"/>
-          </ac:spMkLst>
-        </pc:spChg>
       </pc:sldChg>
     </pc:docChg>
   </pc:docChgLst>
@@ -962,7 +558,7 @@
           <a:p>
             <a:fld id="{52CFA067-BC5A-4095-A3A5-99A1BAFE9208}" type="datetimeFigureOut">
               <a:rPr lang="en-US" smtClean="0"/>
-              <a:t>8/11/2025</a:t>
+              <a:t>10/27/2025</a:t>
             </a:fld>
             <a:endParaRPr lang="en-US"/>
           </a:p>
@@ -1160,7 +756,7 @@
           <a:p>
             <a:fld id="{52CFA067-BC5A-4095-A3A5-99A1BAFE9208}" type="datetimeFigureOut">
               <a:rPr lang="en-US" smtClean="0"/>
-              <a:t>8/11/2025</a:t>
+              <a:t>10/27/2025</a:t>
             </a:fld>
             <a:endParaRPr lang="en-US"/>
           </a:p>
@@ -1368,7 +964,7 @@
           <a:p>
             <a:fld id="{52CFA067-BC5A-4095-A3A5-99A1BAFE9208}" type="datetimeFigureOut">
               <a:rPr lang="en-US" smtClean="0"/>
-              <a:t>8/11/2025</a:t>
+              <a:t>10/27/2025</a:t>
             </a:fld>
             <a:endParaRPr lang="en-US"/>
           </a:p>
@@ -1566,7 +1162,7 @@
           <a:p>
             <a:fld id="{52CFA067-BC5A-4095-A3A5-99A1BAFE9208}" type="datetimeFigureOut">
               <a:rPr lang="en-US" smtClean="0"/>
-              <a:t>8/11/2025</a:t>
+              <a:t>10/27/2025</a:t>
             </a:fld>
             <a:endParaRPr lang="en-US"/>
           </a:p>
@@ -1841,7 +1437,7 @@
           <a:p>
             <a:fld id="{52CFA067-BC5A-4095-A3A5-99A1BAFE9208}" type="datetimeFigureOut">
               <a:rPr lang="en-US" smtClean="0"/>
-              <a:t>8/11/2025</a:t>
+              <a:t>10/27/2025</a:t>
             </a:fld>
             <a:endParaRPr lang="en-US"/>
           </a:p>
@@ -2106,7 +1702,7 @@
           <a:p>
             <a:fld id="{52CFA067-BC5A-4095-A3A5-99A1BAFE9208}" type="datetimeFigureOut">
               <a:rPr lang="en-US" smtClean="0"/>
-              <a:t>8/11/2025</a:t>
+              <a:t>10/27/2025</a:t>
             </a:fld>
             <a:endParaRPr lang="en-US"/>
           </a:p>
@@ -2518,7 +2114,7 @@
           <a:p>
             <a:fld id="{52CFA067-BC5A-4095-A3A5-99A1BAFE9208}" type="datetimeFigureOut">
               <a:rPr lang="en-US" smtClean="0"/>
-              <a:t>8/11/2025</a:t>
+              <a:t>10/27/2025</a:t>
             </a:fld>
             <a:endParaRPr lang="en-US"/>
           </a:p>
@@ -2659,7 +2255,7 @@
           <a:p>
             <a:fld id="{52CFA067-BC5A-4095-A3A5-99A1BAFE9208}" type="datetimeFigureOut">
               <a:rPr lang="en-US" smtClean="0"/>
-              <a:t>8/11/2025</a:t>
+              <a:t>10/27/2025</a:t>
             </a:fld>
             <a:endParaRPr lang="en-US"/>
           </a:p>
@@ -2772,7 +2368,7 @@
           <a:p>
             <a:fld id="{52CFA067-BC5A-4095-A3A5-99A1BAFE9208}" type="datetimeFigureOut">
               <a:rPr lang="en-US" smtClean="0"/>
-              <a:t>8/11/2025</a:t>
+              <a:t>10/27/2025</a:t>
             </a:fld>
             <a:endParaRPr lang="en-US"/>
           </a:p>
@@ -3083,7 +2679,7 @@
           <a:p>
             <a:fld id="{52CFA067-BC5A-4095-A3A5-99A1BAFE9208}" type="datetimeFigureOut">
               <a:rPr lang="en-US" smtClean="0"/>
-              <a:t>8/11/2025</a:t>
+              <a:t>10/27/2025</a:t>
             </a:fld>
             <a:endParaRPr lang="en-US"/>
           </a:p>
@@ -3371,7 +2967,7 @@
           <a:p>
             <a:fld id="{52CFA067-BC5A-4095-A3A5-99A1BAFE9208}" type="datetimeFigureOut">
               <a:rPr lang="en-US" smtClean="0"/>
-              <a:t>8/11/2025</a:t>
+              <a:t>10/27/2025</a:t>
             </a:fld>
             <a:endParaRPr lang="en-US"/>
           </a:p>
@@ -3612,7 +3208,7 @@
           <a:p>
             <a:fld id="{52CFA067-BC5A-4095-A3A5-99A1BAFE9208}" type="datetimeFigureOut">
               <a:rPr lang="en-US" smtClean="0"/>
-              <a:t>8/11/2025</a:t>
+              <a:t>10/27/2025</a:t>
             </a:fld>
             <a:endParaRPr lang="en-US"/>
           </a:p>
@@ -4238,10 +3834,16 @@
           <a:p>
             <a:pPr algn="ctr"/>
             <a:r>
+              <a:rPr lang="en-US" sz="4800">
+                <a:latin typeface="Bahnschrift SemiBold" panose="020B0502040204020203" pitchFamily="34" charset="0"/>
+              </a:rPr>
+              <a:t>LESSON C-</a:t>
+            </a:r>
+            <a:r>
               <a:rPr lang="en-US" sz="4800" dirty="0">
                 <a:latin typeface="Bahnschrift SemiBold" panose="020B0502040204020203" pitchFamily="34" charset="0"/>
               </a:rPr>
-              <a:t>LESSON C-1</a:t>
+              <a:t>1</a:t>
             </a:r>
           </a:p>
         </p:txBody>
